--- a/讲义/HTML5标签.pptx
+++ b/讲义/HTML5标签.pptx
@@ -3739,7 +3739,7 @@
                 </a:solidFill>
                 <a:latin typeface="微软雅黑" panose="020B0503020204020204" pitchFamily="34" charset="-122"/>
                 <a:ea typeface="微软雅黑" panose="020B0503020204020204" pitchFamily="34" charset="-122"/>
-                <a:cs typeface="Adobe 楷体 Std R"/>
+                <a:cs typeface="Adobe 楷体 Std R" panose="02020400000000000000" charset="-122"/>
               </a:rPr>
               <a:t>HTML5</a:t>
             </a:r>
@@ -3750,7 +3750,7 @@
                 </a:solidFill>
                 <a:latin typeface="微软雅黑" panose="020B0503020204020204" pitchFamily="34" charset="-122"/>
                 <a:ea typeface="微软雅黑" panose="020B0503020204020204" pitchFamily="34" charset="-122"/>
-                <a:cs typeface="Adobe 楷体 Std R"/>
+                <a:cs typeface="Adobe 楷体 Std R" panose="02020400000000000000" charset="-122"/>
               </a:rPr>
               <a:t>中的语义化标签</a:t>
             </a:r>
@@ -3760,7 +3760,7 @@
               </a:solidFill>
               <a:latin typeface="微软雅黑" panose="020B0503020204020204" pitchFamily="34" charset="-122"/>
               <a:ea typeface="微软雅黑" panose="020B0503020204020204" pitchFamily="34" charset="-122"/>
-              <a:cs typeface="Adobe 楷体 Std R"/>
+              <a:cs typeface="Adobe 楷体 Std R" panose="02020400000000000000" charset="-122"/>
             </a:endParaRPr>
           </a:p>
         </p:txBody>
@@ -3976,17 +3976,7 @@
                 <a:latin typeface="微软雅黑" panose="020B0503020204020204" pitchFamily="34" charset="-122"/>
                 <a:ea typeface="微软雅黑" panose="020B0503020204020204" pitchFamily="34" charset="-122"/>
               </a:rPr>
-              <a:t>新</a:t>
-            </a:r>
-            <a:r>
-              <a:rPr lang="zh-CN" altLang="en-US" sz="2400" dirty="0" smtClean="0">
-                <a:solidFill>
-                  <a:srgbClr val="FF0000"/>
-                </a:solidFill>
-                <a:latin typeface="微软雅黑" panose="020B0503020204020204" pitchFamily="34" charset="-122"/>
-                <a:ea typeface="微软雅黑" panose="020B0503020204020204" pitchFamily="34" charset="-122"/>
-              </a:rPr>
-              <a:t>增加的</a:t>
+              <a:t>新增加的</a:t>
             </a:r>
             <a:endParaRPr lang="zh-CN" altLang="en-US" sz="2400" dirty="0" smtClean="0">
               <a:solidFill>
@@ -4060,7 +4050,7 @@
               <a:rPr kumimoji="1" lang="en-US" altLang="zh-CN" sz="2000" dirty="0" smtClean="0">
                 <a:latin typeface="微软雅黑" panose="020B0503020204020204" pitchFamily="34" charset="-122"/>
                 <a:ea typeface="微软雅黑" panose="020B0503020204020204" pitchFamily="34" charset="-122"/>
-                <a:cs typeface="Adobe 楷体 Std R"/>
+                <a:cs typeface="Adobe 楷体 Std R" panose="02020400000000000000" charset="-122"/>
                 <a:sym typeface="+mn-ea"/>
               </a:rPr>
               <a:t>header</a:t>
@@ -4069,7 +4059,7 @@
               <a:rPr kumimoji="1" lang="zh-CN" altLang="en-US" sz="2000" dirty="0" smtClean="0">
                 <a:latin typeface="微软雅黑" panose="020B0503020204020204" pitchFamily="34" charset="-122"/>
                 <a:ea typeface="微软雅黑" panose="020B0503020204020204" pitchFamily="34" charset="-122"/>
-                <a:cs typeface="Adobe 楷体 Std R"/>
+                <a:cs typeface="Adobe 楷体 Std R" panose="02020400000000000000" charset="-122"/>
                 <a:sym typeface="+mn-ea"/>
               </a:rPr>
               <a:t>、</a:t>
@@ -4078,7 +4068,7 @@
               <a:rPr kumimoji="1" lang="en-US" altLang="zh-CN" sz="2000" dirty="0" smtClean="0">
                 <a:latin typeface="微软雅黑" panose="020B0503020204020204" pitchFamily="34" charset="-122"/>
                 <a:ea typeface="微软雅黑" panose="020B0503020204020204" pitchFamily="34" charset="-122"/>
-                <a:cs typeface="Adobe 楷体 Std R"/>
+                <a:cs typeface="Adobe 楷体 Std R" panose="02020400000000000000" charset="-122"/>
                 <a:sym typeface="+mn-ea"/>
               </a:rPr>
               <a:t>footer</a:t>
@@ -4087,7 +4077,7 @@
               <a:rPr kumimoji="1" lang="zh-CN" altLang="en-US" sz="2000" dirty="0" smtClean="0">
                 <a:latin typeface="微软雅黑" panose="020B0503020204020204" pitchFamily="34" charset="-122"/>
                 <a:ea typeface="微软雅黑" panose="020B0503020204020204" pitchFamily="34" charset="-122"/>
-                <a:cs typeface="Adobe 楷体 Std R"/>
+                <a:cs typeface="Adobe 楷体 Std R" panose="02020400000000000000" charset="-122"/>
                 <a:sym typeface="+mn-ea"/>
               </a:rPr>
               <a:t>、</a:t>
@@ -4096,7 +4086,7 @@
               <a:rPr kumimoji="1" lang="en-US" altLang="zh-CN" sz="2000" dirty="0" smtClean="0">
                 <a:latin typeface="微软雅黑" panose="020B0503020204020204" pitchFamily="34" charset="-122"/>
                 <a:ea typeface="微软雅黑" panose="020B0503020204020204" pitchFamily="34" charset="-122"/>
-                <a:cs typeface="Adobe 楷体 Std R"/>
+                <a:cs typeface="Adobe 楷体 Std R" panose="02020400000000000000" charset="-122"/>
                 <a:sym typeface="+mn-ea"/>
               </a:rPr>
               <a:t>nav</a:t>
@@ -4105,7 +4095,7 @@
               <a:rPr kumimoji="1" lang="zh-CN" altLang="en-US" sz="2000" dirty="0" smtClean="0">
                 <a:latin typeface="微软雅黑" panose="020B0503020204020204" pitchFamily="34" charset="-122"/>
                 <a:ea typeface="微软雅黑" panose="020B0503020204020204" pitchFamily="34" charset="-122"/>
-                <a:cs typeface="Adobe 楷体 Std R"/>
+                <a:cs typeface="Adobe 楷体 Std R" panose="02020400000000000000" charset="-122"/>
                 <a:sym typeface="+mn-ea"/>
               </a:rPr>
               <a:t>、</a:t>
@@ -4114,7 +4104,7 @@
               <a:rPr kumimoji="1" lang="en-US" altLang="zh-CN" sz="2000" dirty="0" smtClean="0">
                 <a:latin typeface="微软雅黑" panose="020B0503020204020204" pitchFamily="34" charset="-122"/>
                 <a:ea typeface="微软雅黑" panose="020B0503020204020204" pitchFamily="34" charset="-122"/>
-                <a:cs typeface="Adobe 楷体 Std R"/>
+                <a:cs typeface="Adobe 楷体 Std R" panose="02020400000000000000" charset="-122"/>
                 <a:sym typeface="+mn-ea"/>
               </a:rPr>
               <a:t>section</a:t>
@@ -4123,7 +4113,7 @@
               <a:rPr kumimoji="1" lang="zh-CN" altLang="en-US" sz="2000" dirty="0" smtClean="0">
                 <a:latin typeface="微软雅黑" panose="020B0503020204020204" pitchFamily="34" charset="-122"/>
                 <a:ea typeface="微软雅黑" panose="020B0503020204020204" pitchFamily="34" charset="-122"/>
-                <a:cs typeface="Adobe 楷体 Std R"/>
+                <a:cs typeface="Adobe 楷体 Std R" panose="02020400000000000000" charset="-122"/>
                 <a:sym typeface="+mn-ea"/>
               </a:rPr>
               <a:t>、</a:t>
@@ -4132,7 +4122,7 @@
               <a:rPr kumimoji="1" lang="en-US" altLang="zh-CN" sz="2000" dirty="0" smtClean="0">
                 <a:latin typeface="微软雅黑" panose="020B0503020204020204" pitchFamily="34" charset="-122"/>
                 <a:ea typeface="微软雅黑" panose="020B0503020204020204" pitchFamily="34" charset="-122"/>
-                <a:cs typeface="Adobe 楷体 Std R"/>
+                <a:cs typeface="Adobe 楷体 Std R" panose="02020400000000000000" charset="-122"/>
                 <a:sym typeface="+mn-ea"/>
               </a:rPr>
               <a:t>article</a:t>
@@ -4141,7 +4131,7 @@
               <a:rPr kumimoji="1" lang="zh-CN" altLang="en-US" sz="2000" dirty="0" smtClean="0">
                 <a:latin typeface="微软雅黑" panose="020B0503020204020204" pitchFamily="34" charset="-122"/>
                 <a:ea typeface="微软雅黑" panose="020B0503020204020204" pitchFamily="34" charset="-122"/>
-                <a:cs typeface="Adobe 楷体 Std R"/>
+                <a:cs typeface="Adobe 楷体 Std R" panose="02020400000000000000" charset="-122"/>
                 <a:sym typeface="+mn-ea"/>
               </a:rPr>
               <a:t>、</a:t>
@@ -4150,7 +4140,7 @@
               <a:rPr kumimoji="1" lang="en-US" altLang="zh-CN" sz="2000" dirty="0" smtClean="0">
                 <a:latin typeface="微软雅黑" panose="020B0503020204020204" pitchFamily="34" charset="-122"/>
                 <a:ea typeface="微软雅黑" panose="020B0503020204020204" pitchFamily="34" charset="-122"/>
-                <a:cs typeface="Adobe 楷体 Std R"/>
+                <a:cs typeface="Adobe 楷体 Std R" panose="02020400000000000000" charset="-122"/>
                 <a:sym typeface="+mn-ea"/>
               </a:rPr>
               <a:t>figure</a:t>
@@ -4159,7 +4149,7 @@
               <a:rPr kumimoji="1" lang="zh-CN" altLang="en-US" sz="2000" dirty="0" smtClean="0">
                 <a:latin typeface="微软雅黑" panose="020B0503020204020204" pitchFamily="34" charset="-122"/>
                 <a:ea typeface="微软雅黑" panose="020B0503020204020204" pitchFamily="34" charset="-122"/>
-                <a:cs typeface="Adobe 楷体 Std R"/>
+                <a:cs typeface="Adobe 楷体 Std R" panose="02020400000000000000" charset="-122"/>
                 <a:sym typeface="+mn-ea"/>
               </a:rPr>
               <a:t>、</a:t>
@@ -4168,7 +4158,7 @@
               <a:rPr kumimoji="1" lang="en-US" altLang="zh-CN" sz="2000" dirty="0" smtClean="0">
                 <a:latin typeface="微软雅黑" panose="020B0503020204020204" pitchFamily="34" charset="-122"/>
                 <a:ea typeface="微软雅黑" panose="020B0503020204020204" pitchFamily="34" charset="-122"/>
-                <a:cs typeface="Adobe 楷体 Std R"/>
+                <a:cs typeface="Adobe 楷体 Std R" panose="02020400000000000000" charset="-122"/>
                 <a:sym typeface="+mn-ea"/>
               </a:rPr>
               <a:t>figcaption</a:t>
@@ -4177,7 +4167,7 @@
               <a:rPr kumimoji="1" lang="zh-CN" altLang="en-US" sz="2000" dirty="0" smtClean="0">
                 <a:latin typeface="微软雅黑" panose="020B0503020204020204" pitchFamily="34" charset="-122"/>
                 <a:ea typeface="微软雅黑" panose="020B0503020204020204" pitchFamily="34" charset="-122"/>
-                <a:cs typeface="Adobe 楷体 Std R"/>
+                <a:cs typeface="Adobe 楷体 Std R" panose="02020400000000000000" charset="-122"/>
                 <a:sym typeface="+mn-ea"/>
               </a:rPr>
               <a:t>、</a:t>
@@ -4186,7 +4176,7 @@
               <a:rPr kumimoji="1" lang="en-US" altLang="zh-CN" sz="2000" dirty="0" smtClean="0">
                 <a:latin typeface="微软雅黑" panose="020B0503020204020204" pitchFamily="34" charset="-122"/>
                 <a:ea typeface="微软雅黑" panose="020B0503020204020204" pitchFamily="34" charset="-122"/>
-                <a:cs typeface="Adobe 楷体 Std R"/>
+                <a:cs typeface="Adobe 楷体 Std R" panose="02020400000000000000" charset="-122"/>
                 <a:sym typeface="+mn-ea"/>
               </a:rPr>
               <a:t>aside</a:t>
@@ -4195,7 +4185,7 @@
               <a:rPr kumimoji="1" lang="zh-CN" altLang="en-US" sz="2000" dirty="0" smtClean="0">
                 <a:latin typeface="微软雅黑" panose="020B0503020204020204" pitchFamily="34" charset="-122"/>
                 <a:ea typeface="微软雅黑" panose="020B0503020204020204" pitchFamily="34" charset="-122"/>
-                <a:cs typeface="Adobe 楷体 Std R"/>
+                <a:cs typeface="Adobe 楷体 Std R" panose="02020400000000000000" charset="-122"/>
                 <a:sym typeface="+mn-ea"/>
               </a:rPr>
               <a:t>、</a:t>
@@ -4204,7 +4194,7 @@
               <a:rPr kumimoji="1" lang="en-US" altLang="zh-CN" sz="2000" dirty="0" smtClean="0">
                 <a:latin typeface="微软雅黑" panose="020B0503020204020204" pitchFamily="34" charset="-122"/>
                 <a:ea typeface="微软雅黑" panose="020B0503020204020204" pitchFamily="34" charset="-122"/>
-                <a:cs typeface="Adobe 楷体 Std R"/>
+                <a:cs typeface="Adobe 楷体 Std R" panose="02020400000000000000" charset="-122"/>
                 <a:sym typeface="+mn-ea"/>
               </a:rPr>
               <a:t>hgroup</a:t>
@@ -4213,7 +4203,7 @@
               <a:rPr kumimoji="1" lang="zh-CN" altLang="en-US" sz="2000" dirty="0" smtClean="0">
                 <a:latin typeface="微软雅黑" panose="020B0503020204020204" pitchFamily="34" charset="-122"/>
                 <a:ea typeface="微软雅黑" panose="020B0503020204020204" pitchFamily="34" charset="-122"/>
-                <a:cs typeface="Adobe 楷体 Std R"/>
+                <a:cs typeface="Adobe 楷体 Std R" panose="02020400000000000000" charset="-122"/>
                 <a:sym typeface="+mn-ea"/>
               </a:rPr>
               <a:t>、</a:t>
@@ -4222,7 +4212,7 @@
               <a:rPr kumimoji="1" lang="en-US" altLang="zh-CN" sz="2000" dirty="0" smtClean="0">
                 <a:latin typeface="微软雅黑" panose="020B0503020204020204" pitchFamily="34" charset="-122"/>
                 <a:ea typeface="微软雅黑" panose="020B0503020204020204" pitchFamily="34" charset="-122"/>
-                <a:cs typeface="Adobe 楷体 Std R"/>
+                <a:cs typeface="Adobe 楷体 Std R" panose="02020400000000000000" charset="-122"/>
                 <a:sym typeface="+mn-ea"/>
               </a:rPr>
               <a:t>details...</a:t>
@@ -4230,7 +4220,7 @@
             <a:endParaRPr kumimoji="1" lang="en-US" altLang="zh-CN" sz="2000" dirty="0" smtClean="0">
               <a:latin typeface="微软雅黑" panose="020B0503020204020204" pitchFamily="34" charset="-122"/>
               <a:ea typeface="微软雅黑" panose="020B0503020204020204" pitchFamily="34" charset="-122"/>
-              <a:cs typeface="Adobe 楷体 Std R"/>
+              <a:cs typeface="Adobe 楷体 Std R" panose="02020400000000000000" charset="-122"/>
               <a:sym typeface="+mn-ea"/>
             </a:endParaRPr>
           </a:p>
@@ -4249,7 +4239,7 @@
               <a:rPr kumimoji="1" lang="en-US" altLang="zh-CN" sz="2000" dirty="0" smtClean="0">
                 <a:latin typeface="微软雅黑" panose="020B0503020204020204" pitchFamily="34" charset="-122"/>
                 <a:ea typeface="微软雅黑" panose="020B0503020204020204" pitchFamily="34" charset="-122"/>
-                <a:cs typeface="Adobe 楷体 Std R"/>
+                <a:cs typeface="Adobe 楷体 Std R" panose="02020400000000000000" charset="-122"/>
                 <a:sym typeface="+mn-ea"/>
               </a:rPr>
               <a:t>        </a:t>
@@ -4261,7 +4251,7 @@
                 </a:solidFill>
                 <a:latin typeface="微软雅黑" panose="020B0503020204020204" pitchFamily="34" charset="-122"/>
                 <a:ea typeface="微软雅黑" panose="020B0503020204020204" pitchFamily="34" charset="-122"/>
-                <a:cs typeface="Adobe 楷体 Std R"/>
+                <a:cs typeface="Adobe 楷体 Std R" panose="02020400000000000000" charset="-122"/>
                 <a:sym typeface="+mn-ea"/>
               </a:rPr>
               <a:t>用于标识文本的</a:t>
@@ -4272,7 +4262,7 @@
               </a:solidFill>
               <a:latin typeface="微软雅黑" panose="020B0503020204020204" pitchFamily="34" charset="-122"/>
               <a:ea typeface="微软雅黑" panose="020B0503020204020204" pitchFamily="34" charset="-122"/>
-              <a:cs typeface="Adobe 楷体 Std R"/>
+              <a:cs typeface="Adobe 楷体 Std R" panose="02020400000000000000" charset="-122"/>
               <a:sym typeface="+mn-ea"/>
             </a:endParaRPr>
           </a:p>
@@ -4291,7 +4281,7 @@
               <a:rPr kumimoji="1" lang="zh-CN" altLang="en-US" sz="2000" dirty="0" smtClean="0">
                 <a:latin typeface="微软雅黑" panose="020B0503020204020204" pitchFamily="34" charset="-122"/>
                 <a:ea typeface="微软雅黑" panose="020B0503020204020204" pitchFamily="34" charset="-122"/>
-                <a:cs typeface="Adobe 楷体 Std R"/>
+                <a:cs typeface="Adobe 楷体 Std R" panose="02020400000000000000" charset="-122"/>
                 <a:sym typeface="+mn-ea"/>
               </a:rPr>
               <a:t>        </a:t>
@@ -4300,7 +4290,7 @@
               <a:rPr kumimoji="1" lang="en-US" altLang="zh-CN" sz="2000" dirty="0" smtClean="0">
                 <a:latin typeface="微软雅黑" panose="020B0503020204020204" pitchFamily="34" charset="-122"/>
                 <a:ea typeface="微软雅黑" panose="020B0503020204020204" pitchFamily="34" charset="-122"/>
-                <a:cs typeface="Adobe 楷体 Std R"/>
+                <a:cs typeface="Adobe 楷体 Std R" panose="02020400000000000000" charset="-122"/>
                 <a:sym typeface="+mn-ea"/>
               </a:rPr>
               <a:t>time</a:t>
@@ -4309,7 +4299,7 @@
               <a:rPr kumimoji="1" lang="zh-CN" altLang="en-US" sz="2000" dirty="0" smtClean="0">
                 <a:latin typeface="微软雅黑" panose="020B0503020204020204" pitchFamily="34" charset="-122"/>
                 <a:ea typeface="微软雅黑" panose="020B0503020204020204" pitchFamily="34" charset="-122"/>
-                <a:cs typeface="Adobe 楷体 Std R"/>
+                <a:cs typeface="Adobe 楷体 Std R" panose="02020400000000000000" charset="-122"/>
                 <a:sym typeface="+mn-ea"/>
               </a:rPr>
               <a:t>、</a:t>
@@ -4318,7 +4308,7 @@
               <a:rPr kumimoji="1" lang="en-US" altLang="zh-CN" sz="2000" dirty="0" smtClean="0">
                 <a:latin typeface="微软雅黑" panose="020B0503020204020204" pitchFamily="34" charset="-122"/>
                 <a:ea typeface="微软雅黑" panose="020B0503020204020204" pitchFamily="34" charset="-122"/>
-                <a:cs typeface="Adobe 楷体 Std R"/>
+                <a:cs typeface="Adobe 楷体 Std R" panose="02020400000000000000" charset="-122"/>
                 <a:sym typeface="+mn-ea"/>
               </a:rPr>
               <a:t>mark</a:t>
@@ -4327,7 +4317,7 @@
               <a:rPr kumimoji="1" lang="zh-CN" altLang="en-US" sz="2000" dirty="0" smtClean="0">
                 <a:latin typeface="微软雅黑" panose="020B0503020204020204" pitchFamily="34" charset="-122"/>
                 <a:ea typeface="微软雅黑" panose="020B0503020204020204" pitchFamily="34" charset="-122"/>
-                <a:cs typeface="Adobe 楷体 Std R"/>
+                <a:cs typeface="Adobe 楷体 Std R" panose="02020400000000000000" charset="-122"/>
                 <a:sym typeface="+mn-ea"/>
               </a:rPr>
               <a:t>、</a:t>
@@ -4336,7 +4326,7 @@
               <a:rPr kumimoji="1" lang="en-US" altLang="zh-CN" sz="2000" dirty="0" smtClean="0">
                 <a:latin typeface="微软雅黑" panose="020B0503020204020204" pitchFamily="34" charset="-122"/>
                 <a:ea typeface="微软雅黑" panose="020B0503020204020204" pitchFamily="34" charset="-122"/>
-                <a:cs typeface="Adobe 楷体 Std R"/>
+                <a:cs typeface="Adobe 楷体 Std R" panose="02020400000000000000" charset="-122"/>
                 <a:sym typeface="+mn-ea"/>
               </a:rPr>
               <a:t>wbr...</a:t>
@@ -4347,7 +4337,7 @@
               </a:solidFill>
               <a:latin typeface="微软雅黑" panose="020B0503020204020204" pitchFamily="34" charset="-122"/>
               <a:ea typeface="微软雅黑" panose="020B0503020204020204" pitchFamily="34" charset="-122"/>
-              <a:cs typeface="Adobe 楷体 Std R"/>
+              <a:cs typeface="Adobe 楷体 Std R" panose="02020400000000000000" charset="-122"/>
               <a:sym typeface="+mn-ea"/>
             </a:endParaRPr>
           </a:p>
@@ -4439,7 +4429,7 @@
                 </a:solidFill>
                 <a:latin typeface="微软雅黑" panose="020B0503020204020204" pitchFamily="34" charset="-122"/>
                 <a:ea typeface="微软雅黑" panose="020B0503020204020204" pitchFamily="34" charset="-122"/>
-                <a:cs typeface="Adobe 楷体 Std R"/>
+                <a:cs typeface="Adobe 楷体 Std R" panose="02020400000000000000" charset="-122"/>
               </a:rPr>
               <a:t>HTML5</a:t>
             </a:r>
@@ -4450,7 +4440,7 @@
                 </a:solidFill>
                 <a:latin typeface="微软雅黑" panose="020B0503020204020204" pitchFamily="34" charset="-122"/>
                 <a:ea typeface="微软雅黑" panose="020B0503020204020204" pitchFamily="34" charset="-122"/>
-                <a:cs typeface="Adobe 楷体 Std R"/>
+                <a:cs typeface="Adobe 楷体 Std R" panose="02020400000000000000" charset="-122"/>
               </a:rPr>
               <a:t>中的语义化标签</a:t>
             </a:r>
@@ -4460,7 +4450,7 @@
               </a:solidFill>
               <a:latin typeface="微软雅黑" panose="020B0503020204020204" pitchFamily="34" charset="-122"/>
               <a:ea typeface="微软雅黑" panose="020B0503020204020204" pitchFamily="34" charset="-122"/>
-              <a:cs typeface="Adobe 楷体 Std R"/>
+              <a:cs typeface="Adobe 楷体 Std R" panose="02020400000000000000" charset="-122"/>
             </a:endParaRPr>
           </a:p>
         </p:txBody>
@@ -4822,7 +4812,7 @@
               </a:solidFill>
               <a:latin typeface="微软雅黑" panose="020B0503020204020204" pitchFamily="34" charset="-122"/>
               <a:ea typeface="微软雅黑" panose="020B0503020204020204" pitchFamily="34" charset="-122"/>
-              <a:cs typeface="Adobe 楷体 Std R"/>
+              <a:cs typeface="Adobe 楷体 Std R" panose="02020400000000000000" charset="-122"/>
               <a:sym typeface="+mn-ea"/>
             </a:endParaRPr>
           </a:p>
@@ -4841,7 +4831,7 @@
               <a:rPr kumimoji="1" lang="en-US" altLang="zh-CN" sz="2000" dirty="0" smtClean="0">
                 <a:latin typeface="微软雅黑" panose="020B0503020204020204" pitchFamily="34" charset="-122"/>
                 <a:ea typeface="微软雅黑" panose="020B0503020204020204" pitchFamily="34" charset="-122"/>
-                <a:cs typeface="Adobe 楷体 Std R"/>
+                <a:cs typeface="Adobe 楷体 Std R" panose="02020400000000000000" charset="-122"/>
                 <a:sym typeface="+mn-ea"/>
               </a:rPr>
               <a:t>        </a:t>
@@ -4853,7 +4843,7 @@
                 </a:solidFill>
                 <a:latin typeface="微软雅黑" panose="020B0503020204020204" pitchFamily="34" charset="-122"/>
                 <a:ea typeface="微软雅黑" panose="020B0503020204020204" pitchFamily="34" charset="-122"/>
-                <a:cs typeface="Adobe 楷体 Std R"/>
+                <a:cs typeface="Adobe 楷体 Std R" panose="02020400000000000000" charset="-122"/>
                 <a:sym typeface="+mn-ea"/>
               </a:rPr>
               <a:t>删除的</a:t>
@@ -4864,7 +4854,7 @@
               </a:solidFill>
               <a:latin typeface="微软雅黑" panose="020B0503020204020204" pitchFamily="34" charset="-122"/>
               <a:ea typeface="微软雅黑" panose="020B0503020204020204" pitchFamily="34" charset="-122"/>
-              <a:cs typeface="Adobe 楷体 Std R"/>
+              <a:cs typeface="Adobe 楷体 Std R" panose="02020400000000000000" charset="-122"/>
               <a:sym typeface="+mn-ea"/>
             </a:endParaRPr>
           </a:p>
@@ -4883,7 +4873,7 @@
               <a:rPr kumimoji="1" lang="zh-CN" altLang="en-US" sz="2000" dirty="0" smtClean="0">
                 <a:latin typeface="微软雅黑" panose="020B0503020204020204" pitchFamily="34" charset="-122"/>
                 <a:ea typeface="微软雅黑" panose="020B0503020204020204" pitchFamily="34" charset="-122"/>
-                <a:cs typeface="Adobe 楷体 Std R"/>
+                <a:cs typeface="Adobe 楷体 Std R" panose="02020400000000000000" charset="-122"/>
                 <a:sym typeface="+mn-ea"/>
               </a:rPr>
               <a:t>         </a:t>
@@ -4892,7 +4882,7 @@
               <a:rPr kumimoji="1" lang="en-US" altLang="zh-CN" sz="2000" dirty="0" smtClean="0">
                 <a:latin typeface="微软雅黑" panose="020B0503020204020204" pitchFamily="34" charset="-122"/>
                 <a:ea typeface="微软雅黑" panose="020B0503020204020204" pitchFamily="34" charset="-122"/>
-                <a:cs typeface="Adobe 楷体 Std R"/>
+                <a:cs typeface="Adobe 楷体 Std R" panose="02020400000000000000" charset="-122"/>
                 <a:sym typeface="+mn-ea"/>
               </a:rPr>
               <a:t>&lt;big&gt;</a:t>
@@ -4901,7 +4891,7 @@
               <a:rPr kumimoji="1" lang="zh-CN" altLang="en-US" sz="2000" dirty="0" smtClean="0">
                 <a:latin typeface="微软雅黑" panose="020B0503020204020204" pitchFamily="34" charset="-122"/>
                 <a:ea typeface="微软雅黑" panose="020B0503020204020204" pitchFamily="34" charset="-122"/>
-                <a:cs typeface="Adobe 楷体 Std R"/>
+                <a:cs typeface="Adobe 楷体 Std R" panose="02020400000000000000" charset="-122"/>
                 <a:sym typeface="+mn-ea"/>
               </a:rPr>
               <a:t>、</a:t>
@@ -4910,7 +4900,7 @@
               <a:rPr kumimoji="1" lang="en-US" altLang="zh-CN" sz="2000" dirty="0" smtClean="0">
                 <a:latin typeface="微软雅黑" panose="020B0503020204020204" pitchFamily="34" charset="-122"/>
                 <a:ea typeface="微软雅黑" panose="020B0503020204020204" pitchFamily="34" charset="-122"/>
-                <a:cs typeface="Adobe 楷体 Std R"/>
+                <a:cs typeface="Adobe 楷体 Std R" panose="02020400000000000000" charset="-122"/>
                 <a:sym typeface="+mn-ea"/>
               </a:rPr>
               <a:t>&lt;center&gt;</a:t>
@@ -4919,7 +4909,7 @@
               <a:rPr kumimoji="1" lang="zh-CN" altLang="en-US" sz="2000" dirty="0" smtClean="0">
                 <a:latin typeface="微软雅黑" panose="020B0503020204020204" pitchFamily="34" charset="-122"/>
                 <a:ea typeface="微软雅黑" panose="020B0503020204020204" pitchFamily="34" charset="-122"/>
-                <a:cs typeface="Adobe 楷体 Std R"/>
+                <a:cs typeface="Adobe 楷体 Std R" panose="02020400000000000000" charset="-122"/>
                 <a:sym typeface="+mn-ea"/>
               </a:rPr>
               <a:t>、</a:t>
@@ -4928,7 +4918,7 @@
               <a:rPr kumimoji="1" lang="en-US" altLang="zh-CN" sz="2000" dirty="0" smtClean="0">
                 <a:latin typeface="微软雅黑" panose="020B0503020204020204" pitchFamily="34" charset="-122"/>
                 <a:ea typeface="微软雅黑" panose="020B0503020204020204" pitchFamily="34" charset="-122"/>
-                <a:cs typeface="Adobe 楷体 Std R"/>
+                <a:cs typeface="Adobe 楷体 Std R" panose="02020400000000000000" charset="-122"/>
                 <a:sym typeface="+mn-ea"/>
               </a:rPr>
               <a:t>&lt;font&gt;...</a:t>
@@ -4939,7 +4929,7 @@
               </a:solidFill>
               <a:latin typeface="微软雅黑" panose="020B0503020204020204" pitchFamily="34" charset="-122"/>
               <a:ea typeface="微软雅黑" panose="020B0503020204020204" pitchFamily="34" charset="-122"/>
-              <a:cs typeface="Adobe 楷体 Std R"/>
+              <a:cs typeface="Adobe 楷体 Std R" panose="02020400000000000000" charset="-122"/>
               <a:sym typeface="+mn-ea"/>
             </a:endParaRPr>
           </a:p>
@@ -5026,7 +5016,7 @@
                 </a:solidFill>
                 <a:latin typeface="微软雅黑" panose="020B0503020204020204" pitchFamily="34" charset="-122"/>
                 <a:ea typeface="微软雅黑" panose="020B0503020204020204" pitchFamily="34" charset="-122"/>
-                <a:cs typeface="Adobe 楷体 Std R"/>
+                <a:cs typeface="Adobe 楷体 Std R" panose="02020400000000000000" charset="-122"/>
                 <a:sym typeface="+mn-ea"/>
               </a:rPr>
               <a:t>HTML5</a:t>
@@ -5038,7 +5028,7 @@
                 </a:solidFill>
                 <a:latin typeface="微软雅黑" panose="020B0503020204020204" pitchFamily="34" charset="-122"/>
                 <a:ea typeface="微软雅黑" panose="020B0503020204020204" pitchFamily="34" charset="-122"/>
-                <a:cs typeface="Adobe 楷体 Std R"/>
+                <a:cs typeface="Adobe 楷体 Std R" panose="02020400000000000000" charset="-122"/>
                 <a:sym typeface="+mn-ea"/>
               </a:rPr>
               <a:t>中的语义化标签</a:t>
